--- a/chapter_03/figures/orography.pptx
+++ b/chapter_03/figures/orography.pptx
@@ -125,12 +125,12 @@
   <pc:docChgLst>
     <pc:chgData name="Fatima Pillosu" userId="a6295d4dc9e22643" providerId="LiveId" clId="{F48B3271-E527-486D-9A38-486269C687BA}"/>
     <pc:docChg chg="undo custSel modSld">
-      <pc:chgData name="Fatima Pillosu" userId="a6295d4dc9e22643" providerId="LiveId" clId="{F48B3271-E527-486D-9A38-486269C687BA}" dt="2025-05-25T21:34:02.082" v="931" actId="115"/>
+      <pc:chgData name="Fatima Pillosu" userId="a6295d4dc9e22643" providerId="LiveId" clId="{F48B3271-E527-486D-9A38-486269C687BA}" dt="2025-05-26T06:00:49.059" v="938" actId="207"/>
       <pc:docMkLst>
         <pc:docMk/>
       </pc:docMkLst>
       <pc:sldChg chg="addSp delSp modSp mod">
-        <pc:chgData name="Fatima Pillosu" userId="a6295d4dc9e22643" providerId="LiveId" clId="{F48B3271-E527-486D-9A38-486269C687BA}" dt="2025-05-25T21:34:02.082" v="931" actId="115"/>
+        <pc:chgData name="Fatima Pillosu" userId="a6295d4dc9e22643" providerId="LiveId" clId="{F48B3271-E527-486D-9A38-486269C687BA}" dt="2025-05-26T06:00:49.059" v="938" actId="207"/>
         <pc:sldMkLst>
           <pc:docMk/>
           <pc:sldMk cId="1822901782" sldId="256"/>
@@ -1872,7 +1872,7 @@
           </ac:spMkLst>
         </pc:spChg>
         <pc:spChg chg="add mod">
-          <ac:chgData name="Fatima Pillosu" userId="a6295d4dc9e22643" providerId="LiveId" clId="{F48B3271-E527-486D-9A38-486269C687BA}" dt="2025-05-25T21:30:06.140" v="840"/>
+          <ac:chgData name="Fatima Pillosu" userId="a6295d4dc9e22643" providerId="LiveId" clId="{F48B3271-E527-486D-9A38-486269C687BA}" dt="2025-05-26T06:00:49.059" v="938" actId="207"/>
           <ac:spMkLst>
             <pc:docMk/>
             <pc:sldMk cId="1822901782" sldId="256"/>
@@ -1880,7 +1880,7 @@
           </ac:spMkLst>
         </pc:spChg>
         <pc:spChg chg="add mod">
-          <ac:chgData name="Fatima Pillosu" userId="a6295d4dc9e22643" providerId="LiveId" clId="{F48B3271-E527-486D-9A38-486269C687BA}" dt="2025-05-25T21:30:06.140" v="840"/>
+          <ac:chgData name="Fatima Pillosu" userId="a6295d4dc9e22643" providerId="LiveId" clId="{F48B3271-E527-486D-9A38-486269C687BA}" dt="2025-05-26T06:00:49.059" v="938" actId="207"/>
           <ac:spMkLst>
             <pc:docMk/>
             <pc:sldMk cId="1822901782" sldId="256"/>
@@ -1888,7 +1888,7 @@
           </ac:spMkLst>
         </pc:spChg>
         <pc:spChg chg="add mod">
-          <ac:chgData name="Fatima Pillosu" userId="a6295d4dc9e22643" providerId="LiveId" clId="{F48B3271-E527-486D-9A38-486269C687BA}" dt="2025-05-25T21:30:06.140" v="840"/>
+          <ac:chgData name="Fatima Pillosu" userId="a6295d4dc9e22643" providerId="LiveId" clId="{F48B3271-E527-486D-9A38-486269C687BA}" dt="2025-05-26T06:00:49.059" v="938" actId="207"/>
           <ac:spMkLst>
             <pc:docMk/>
             <pc:sldMk cId="1822901782" sldId="256"/>
@@ -1896,7 +1896,7 @@
           </ac:spMkLst>
         </pc:spChg>
         <pc:spChg chg="add mod">
-          <ac:chgData name="Fatima Pillosu" userId="a6295d4dc9e22643" providerId="LiveId" clId="{F48B3271-E527-486D-9A38-486269C687BA}" dt="2025-05-25T21:30:06.140" v="840"/>
+          <ac:chgData name="Fatima Pillosu" userId="a6295d4dc9e22643" providerId="LiveId" clId="{F48B3271-E527-486D-9A38-486269C687BA}" dt="2025-05-26T06:00:49.059" v="938" actId="207"/>
           <ac:spMkLst>
             <pc:docMk/>
             <pc:sldMk cId="1822901782" sldId="256"/>
@@ -1904,7 +1904,7 @@
           </ac:spMkLst>
         </pc:spChg>
         <pc:spChg chg="add mod">
-          <ac:chgData name="Fatima Pillosu" userId="a6295d4dc9e22643" providerId="LiveId" clId="{F48B3271-E527-486D-9A38-486269C687BA}" dt="2025-05-25T21:30:06.140" v="840"/>
+          <ac:chgData name="Fatima Pillosu" userId="a6295d4dc9e22643" providerId="LiveId" clId="{F48B3271-E527-486D-9A38-486269C687BA}" dt="2025-05-26T06:00:49.059" v="938" actId="207"/>
           <ac:spMkLst>
             <pc:docMk/>
             <pc:sldMk cId="1822901782" sldId="256"/>
@@ -1912,7 +1912,7 @@
           </ac:spMkLst>
         </pc:spChg>
         <pc:spChg chg="add mod">
-          <ac:chgData name="Fatima Pillosu" userId="a6295d4dc9e22643" providerId="LiveId" clId="{F48B3271-E527-486D-9A38-486269C687BA}" dt="2025-05-25T21:30:06.140" v="840"/>
+          <ac:chgData name="Fatima Pillosu" userId="a6295d4dc9e22643" providerId="LiveId" clId="{F48B3271-E527-486D-9A38-486269C687BA}" dt="2025-05-26T06:00:49.059" v="938" actId="207"/>
           <ac:spMkLst>
             <pc:docMk/>
             <pc:sldMk cId="1822901782" sldId="256"/>
@@ -1920,7 +1920,7 @@
           </ac:spMkLst>
         </pc:spChg>
         <pc:spChg chg="add mod">
-          <ac:chgData name="Fatima Pillosu" userId="a6295d4dc9e22643" providerId="LiveId" clId="{F48B3271-E527-486D-9A38-486269C687BA}" dt="2025-05-25T21:30:06.140" v="840"/>
+          <ac:chgData name="Fatima Pillosu" userId="a6295d4dc9e22643" providerId="LiveId" clId="{F48B3271-E527-486D-9A38-486269C687BA}" dt="2025-05-26T06:00:49.059" v="938" actId="207"/>
           <ac:spMkLst>
             <pc:docMk/>
             <pc:sldMk cId="1822901782" sldId="256"/>
@@ -1928,7 +1928,7 @@
           </ac:spMkLst>
         </pc:spChg>
         <pc:spChg chg="add mod">
-          <ac:chgData name="Fatima Pillosu" userId="a6295d4dc9e22643" providerId="LiveId" clId="{F48B3271-E527-486D-9A38-486269C687BA}" dt="2025-05-25T21:30:06.140" v="840"/>
+          <ac:chgData name="Fatima Pillosu" userId="a6295d4dc9e22643" providerId="LiveId" clId="{F48B3271-E527-486D-9A38-486269C687BA}" dt="2025-05-26T06:00:49.059" v="938" actId="207"/>
           <ac:spMkLst>
             <pc:docMk/>
             <pc:sldMk cId="1822901782" sldId="256"/>
@@ -1936,7 +1936,7 @@
           </ac:spMkLst>
         </pc:spChg>
         <pc:spChg chg="add mod">
-          <ac:chgData name="Fatima Pillosu" userId="a6295d4dc9e22643" providerId="LiveId" clId="{F48B3271-E527-486D-9A38-486269C687BA}" dt="2025-05-25T21:30:06.140" v="840"/>
+          <ac:chgData name="Fatima Pillosu" userId="a6295d4dc9e22643" providerId="LiveId" clId="{F48B3271-E527-486D-9A38-486269C687BA}" dt="2025-05-26T06:00:49.059" v="938" actId="207"/>
           <ac:spMkLst>
             <pc:docMk/>
             <pc:sldMk cId="1822901782" sldId="256"/>
@@ -1944,7 +1944,7 @@
           </ac:spMkLst>
         </pc:spChg>
         <pc:spChg chg="add mod">
-          <ac:chgData name="Fatima Pillosu" userId="a6295d4dc9e22643" providerId="LiveId" clId="{F48B3271-E527-486D-9A38-486269C687BA}" dt="2025-05-25T21:30:06.140" v="840"/>
+          <ac:chgData name="Fatima Pillosu" userId="a6295d4dc9e22643" providerId="LiveId" clId="{F48B3271-E527-486D-9A38-486269C687BA}" dt="2025-05-26T06:00:49.059" v="938" actId="207"/>
           <ac:spMkLst>
             <pc:docMk/>
             <pc:sldMk cId="1822901782" sldId="256"/>
@@ -1952,7 +1952,7 @@
           </ac:spMkLst>
         </pc:spChg>
         <pc:spChg chg="add mod">
-          <ac:chgData name="Fatima Pillosu" userId="a6295d4dc9e22643" providerId="LiveId" clId="{F48B3271-E527-486D-9A38-486269C687BA}" dt="2025-05-25T21:30:06.140" v="840"/>
+          <ac:chgData name="Fatima Pillosu" userId="a6295d4dc9e22643" providerId="LiveId" clId="{F48B3271-E527-486D-9A38-486269C687BA}" dt="2025-05-26T06:00:49.059" v="938" actId="207"/>
           <ac:spMkLst>
             <pc:docMk/>
             <pc:sldMk cId="1822901782" sldId="256"/>
@@ -1960,7 +1960,7 @@
           </ac:spMkLst>
         </pc:spChg>
         <pc:spChg chg="add mod">
-          <ac:chgData name="Fatima Pillosu" userId="a6295d4dc9e22643" providerId="LiveId" clId="{F48B3271-E527-486D-9A38-486269C687BA}" dt="2025-05-25T21:30:06.140" v="840"/>
+          <ac:chgData name="Fatima Pillosu" userId="a6295d4dc9e22643" providerId="LiveId" clId="{F48B3271-E527-486D-9A38-486269C687BA}" dt="2025-05-26T06:00:49.059" v="938" actId="207"/>
           <ac:spMkLst>
             <pc:docMk/>
             <pc:sldMk cId="1822901782" sldId="256"/>
@@ -1968,7 +1968,7 @@
           </ac:spMkLst>
         </pc:spChg>
         <pc:spChg chg="add mod">
-          <ac:chgData name="Fatima Pillosu" userId="a6295d4dc9e22643" providerId="LiveId" clId="{F48B3271-E527-486D-9A38-486269C687BA}" dt="2025-05-25T21:30:06.140" v="840"/>
+          <ac:chgData name="Fatima Pillosu" userId="a6295d4dc9e22643" providerId="LiveId" clId="{F48B3271-E527-486D-9A38-486269C687BA}" dt="2025-05-26T06:00:49.059" v="938" actId="207"/>
           <ac:spMkLst>
             <pc:docMk/>
             <pc:sldMk cId="1822901782" sldId="256"/>
@@ -1976,7 +1976,7 @@
           </ac:spMkLst>
         </pc:spChg>
         <pc:spChg chg="add mod">
-          <ac:chgData name="Fatima Pillosu" userId="a6295d4dc9e22643" providerId="LiveId" clId="{F48B3271-E527-486D-9A38-486269C687BA}" dt="2025-05-25T21:30:06.140" v="840"/>
+          <ac:chgData name="Fatima Pillosu" userId="a6295d4dc9e22643" providerId="LiveId" clId="{F48B3271-E527-486D-9A38-486269C687BA}" dt="2025-05-26T06:00:49.059" v="938" actId="207"/>
           <ac:spMkLst>
             <pc:docMk/>
             <pc:sldMk cId="1822901782" sldId="256"/>
@@ -1984,7 +1984,7 @@
           </ac:spMkLst>
         </pc:spChg>
         <pc:spChg chg="add mod">
-          <ac:chgData name="Fatima Pillosu" userId="a6295d4dc9e22643" providerId="LiveId" clId="{F48B3271-E527-486D-9A38-486269C687BA}" dt="2025-05-25T21:30:06.140" v="840"/>
+          <ac:chgData name="Fatima Pillosu" userId="a6295d4dc9e22643" providerId="LiveId" clId="{F48B3271-E527-486D-9A38-486269C687BA}" dt="2025-05-26T06:00:49.059" v="938" actId="207"/>
           <ac:spMkLst>
             <pc:docMk/>
             <pc:sldMk cId="1822901782" sldId="256"/>
@@ -1992,7 +1992,7 @@
           </ac:spMkLst>
         </pc:spChg>
         <pc:spChg chg="add mod">
-          <ac:chgData name="Fatima Pillosu" userId="a6295d4dc9e22643" providerId="LiveId" clId="{F48B3271-E527-486D-9A38-486269C687BA}" dt="2025-05-25T21:30:06.140" v="840"/>
+          <ac:chgData name="Fatima Pillosu" userId="a6295d4dc9e22643" providerId="LiveId" clId="{F48B3271-E527-486D-9A38-486269C687BA}" dt="2025-05-26T06:00:49.059" v="938" actId="207"/>
           <ac:spMkLst>
             <pc:docMk/>
             <pc:sldMk cId="1822901782" sldId="256"/>
@@ -2000,7 +2000,7 @@
           </ac:spMkLst>
         </pc:spChg>
         <pc:spChg chg="add mod">
-          <ac:chgData name="Fatima Pillosu" userId="a6295d4dc9e22643" providerId="LiveId" clId="{F48B3271-E527-486D-9A38-486269C687BA}" dt="2025-05-25T21:30:06.140" v="840"/>
+          <ac:chgData name="Fatima Pillosu" userId="a6295d4dc9e22643" providerId="LiveId" clId="{F48B3271-E527-486D-9A38-486269C687BA}" dt="2025-05-26T06:00:49.059" v="938" actId="207"/>
           <ac:spMkLst>
             <pc:docMk/>
             <pc:sldMk cId="1822901782" sldId="256"/>
@@ -2008,7 +2008,7 @@
           </ac:spMkLst>
         </pc:spChg>
         <pc:spChg chg="add mod">
-          <ac:chgData name="Fatima Pillosu" userId="a6295d4dc9e22643" providerId="LiveId" clId="{F48B3271-E527-486D-9A38-486269C687BA}" dt="2025-05-25T21:30:06.140" v="840"/>
+          <ac:chgData name="Fatima Pillosu" userId="a6295d4dc9e22643" providerId="LiveId" clId="{F48B3271-E527-486D-9A38-486269C687BA}" dt="2025-05-26T06:00:49.059" v="938" actId="207"/>
           <ac:spMkLst>
             <pc:docMk/>
             <pc:sldMk cId="1822901782" sldId="256"/>
@@ -2016,7 +2016,7 @@
           </ac:spMkLst>
         </pc:spChg>
         <pc:spChg chg="add mod">
-          <ac:chgData name="Fatima Pillosu" userId="a6295d4dc9e22643" providerId="LiveId" clId="{F48B3271-E527-486D-9A38-486269C687BA}" dt="2025-05-25T21:30:06.140" v="840"/>
+          <ac:chgData name="Fatima Pillosu" userId="a6295d4dc9e22643" providerId="LiveId" clId="{F48B3271-E527-486D-9A38-486269C687BA}" dt="2025-05-26T06:00:49.059" v="938" actId="207"/>
           <ac:spMkLst>
             <pc:docMk/>
             <pc:sldMk cId="1822901782" sldId="256"/>
@@ -2024,7 +2024,7 @@
           </ac:spMkLst>
         </pc:spChg>
         <pc:spChg chg="add mod">
-          <ac:chgData name="Fatima Pillosu" userId="a6295d4dc9e22643" providerId="LiveId" clId="{F48B3271-E527-486D-9A38-486269C687BA}" dt="2025-05-25T21:30:06.140" v="840"/>
+          <ac:chgData name="Fatima Pillosu" userId="a6295d4dc9e22643" providerId="LiveId" clId="{F48B3271-E527-486D-9A38-486269C687BA}" dt="2025-05-26T06:00:49.059" v="938" actId="207"/>
           <ac:spMkLst>
             <pc:docMk/>
             <pc:sldMk cId="1822901782" sldId="256"/>
@@ -2032,7 +2032,7 @@
           </ac:spMkLst>
         </pc:spChg>
         <pc:spChg chg="add mod">
-          <ac:chgData name="Fatima Pillosu" userId="a6295d4dc9e22643" providerId="LiveId" clId="{F48B3271-E527-486D-9A38-486269C687BA}" dt="2025-05-25T21:30:06.140" v="840"/>
+          <ac:chgData name="Fatima Pillosu" userId="a6295d4dc9e22643" providerId="LiveId" clId="{F48B3271-E527-486D-9A38-486269C687BA}" dt="2025-05-26T06:00:49.059" v="938" actId="207"/>
           <ac:spMkLst>
             <pc:docMk/>
             <pc:sldMk cId="1822901782" sldId="256"/>
@@ -2040,7 +2040,7 @@
           </ac:spMkLst>
         </pc:spChg>
         <pc:spChg chg="add mod">
-          <ac:chgData name="Fatima Pillosu" userId="a6295d4dc9e22643" providerId="LiveId" clId="{F48B3271-E527-486D-9A38-486269C687BA}" dt="2025-05-25T21:30:06.140" v="840"/>
+          <ac:chgData name="Fatima Pillosu" userId="a6295d4dc9e22643" providerId="LiveId" clId="{F48B3271-E527-486D-9A38-486269C687BA}" dt="2025-05-26T06:00:49.059" v="938" actId="207"/>
           <ac:spMkLst>
             <pc:docMk/>
             <pc:sldMk cId="1822901782" sldId="256"/>
@@ -2048,7 +2048,7 @@
           </ac:spMkLst>
         </pc:spChg>
         <pc:spChg chg="add mod">
-          <ac:chgData name="Fatima Pillosu" userId="a6295d4dc9e22643" providerId="LiveId" clId="{F48B3271-E527-486D-9A38-486269C687BA}" dt="2025-05-25T21:30:06.140" v="840"/>
+          <ac:chgData name="Fatima Pillosu" userId="a6295d4dc9e22643" providerId="LiveId" clId="{F48B3271-E527-486D-9A38-486269C687BA}" dt="2025-05-26T06:00:49.059" v="938" actId="207"/>
           <ac:spMkLst>
             <pc:docMk/>
             <pc:sldMk cId="1822901782" sldId="256"/>
@@ -2056,7 +2056,7 @@
           </ac:spMkLst>
         </pc:spChg>
         <pc:spChg chg="add mod">
-          <ac:chgData name="Fatima Pillosu" userId="a6295d4dc9e22643" providerId="LiveId" clId="{F48B3271-E527-486D-9A38-486269C687BA}" dt="2025-05-25T21:30:06.140" v="840"/>
+          <ac:chgData name="Fatima Pillosu" userId="a6295d4dc9e22643" providerId="LiveId" clId="{F48B3271-E527-486D-9A38-486269C687BA}" dt="2025-05-26T06:00:49.059" v="938" actId="207"/>
           <ac:spMkLst>
             <pc:docMk/>
             <pc:sldMk cId="1822901782" sldId="256"/>
@@ -2064,7 +2064,7 @@
           </ac:spMkLst>
         </pc:spChg>
         <pc:spChg chg="add mod">
-          <ac:chgData name="Fatima Pillosu" userId="a6295d4dc9e22643" providerId="LiveId" clId="{F48B3271-E527-486D-9A38-486269C687BA}" dt="2025-05-25T21:30:06.140" v="840"/>
+          <ac:chgData name="Fatima Pillosu" userId="a6295d4dc9e22643" providerId="LiveId" clId="{F48B3271-E527-486D-9A38-486269C687BA}" dt="2025-05-26T06:00:49.059" v="938" actId="207"/>
           <ac:spMkLst>
             <pc:docMk/>
             <pc:sldMk cId="1822901782" sldId="256"/>
@@ -2072,7 +2072,7 @@
           </ac:spMkLst>
         </pc:spChg>
         <pc:spChg chg="add mod">
-          <ac:chgData name="Fatima Pillosu" userId="a6295d4dc9e22643" providerId="LiveId" clId="{F48B3271-E527-486D-9A38-486269C687BA}" dt="2025-05-25T21:30:06.140" v="840"/>
+          <ac:chgData name="Fatima Pillosu" userId="a6295d4dc9e22643" providerId="LiveId" clId="{F48B3271-E527-486D-9A38-486269C687BA}" dt="2025-05-26T06:00:49.059" v="938" actId="207"/>
           <ac:spMkLst>
             <pc:docMk/>
             <pc:sldMk cId="1822901782" sldId="256"/>
@@ -2080,7 +2080,7 @@
           </ac:spMkLst>
         </pc:spChg>
         <pc:spChg chg="add mod">
-          <ac:chgData name="Fatima Pillosu" userId="a6295d4dc9e22643" providerId="LiveId" clId="{F48B3271-E527-486D-9A38-486269C687BA}" dt="2025-05-25T21:30:06.140" v="840"/>
+          <ac:chgData name="Fatima Pillosu" userId="a6295d4dc9e22643" providerId="LiveId" clId="{F48B3271-E527-486D-9A38-486269C687BA}" dt="2025-05-26T06:00:49.059" v="938" actId="207"/>
           <ac:spMkLst>
             <pc:docMk/>
             <pc:sldMk cId="1822901782" sldId="256"/>
@@ -2088,7 +2088,7 @@
           </ac:spMkLst>
         </pc:spChg>
         <pc:spChg chg="add mod">
-          <ac:chgData name="Fatima Pillosu" userId="a6295d4dc9e22643" providerId="LiveId" clId="{F48B3271-E527-486D-9A38-486269C687BA}" dt="2025-05-25T21:30:06.140" v="840"/>
+          <ac:chgData name="Fatima Pillosu" userId="a6295d4dc9e22643" providerId="LiveId" clId="{F48B3271-E527-486D-9A38-486269C687BA}" dt="2025-05-26T06:00:49.059" v="938" actId="207"/>
           <ac:spMkLst>
             <pc:docMk/>
             <pc:sldMk cId="1822901782" sldId="256"/>
@@ -2096,7 +2096,7 @@
           </ac:spMkLst>
         </pc:spChg>
         <pc:spChg chg="add mod">
-          <ac:chgData name="Fatima Pillosu" userId="a6295d4dc9e22643" providerId="LiveId" clId="{F48B3271-E527-486D-9A38-486269C687BA}" dt="2025-05-25T21:30:06.140" v="840"/>
+          <ac:chgData name="Fatima Pillosu" userId="a6295d4dc9e22643" providerId="LiveId" clId="{F48B3271-E527-486D-9A38-486269C687BA}" dt="2025-05-26T06:00:49.059" v="938" actId="207"/>
           <ac:spMkLst>
             <pc:docMk/>
             <pc:sldMk cId="1822901782" sldId="256"/>
@@ -2104,7 +2104,7 @@
           </ac:spMkLst>
         </pc:spChg>
         <pc:spChg chg="add mod">
-          <ac:chgData name="Fatima Pillosu" userId="a6295d4dc9e22643" providerId="LiveId" clId="{F48B3271-E527-486D-9A38-486269C687BA}" dt="2025-05-25T21:30:06.140" v="840"/>
+          <ac:chgData name="Fatima Pillosu" userId="a6295d4dc9e22643" providerId="LiveId" clId="{F48B3271-E527-486D-9A38-486269C687BA}" dt="2025-05-26T06:00:49.059" v="938" actId="207"/>
           <ac:spMkLst>
             <pc:docMk/>
             <pc:sldMk cId="1822901782" sldId="256"/>
@@ -2112,7 +2112,7 @@
           </ac:spMkLst>
         </pc:spChg>
         <pc:spChg chg="add mod">
-          <ac:chgData name="Fatima Pillosu" userId="a6295d4dc9e22643" providerId="LiveId" clId="{F48B3271-E527-486D-9A38-486269C687BA}" dt="2025-05-25T21:30:06.140" v="840"/>
+          <ac:chgData name="Fatima Pillosu" userId="a6295d4dc9e22643" providerId="LiveId" clId="{F48B3271-E527-486D-9A38-486269C687BA}" dt="2025-05-26T06:00:49.059" v="938" actId="207"/>
           <ac:spMkLst>
             <pc:docMk/>
             <pc:sldMk cId="1822901782" sldId="256"/>
@@ -2120,7 +2120,7 @@
           </ac:spMkLst>
         </pc:spChg>
         <pc:spChg chg="add mod">
-          <ac:chgData name="Fatima Pillosu" userId="a6295d4dc9e22643" providerId="LiveId" clId="{F48B3271-E527-486D-9A38-486269C687BA}" dt="2025-05-25T21:30:06.140" v="840"/>
+          <ac:chgData name="Fatima Pillosu" userId="a6295d4dc9e22643" providerId="LiveId" clId="{F48B3271-E527-486D-9A38-486269C687BA}" dt="2025-05-26T06:00:49.059" v="938" actId="207"/>
           <ac:spMkLst>
             <pc:docMk/>
             <pc:sldMk cId="1822901782" sldId="256"/>
@@ -2128,7 +2128,7 @@
           </ac:spMkLst>
         </pc:spChg>
         <pc:spChg chg="add mod">
-          <ac:chgData name="Fatima Pillosu" userId="a6295d4dc9e22643" providerId="LiveId" clId="{F48B3271-E527-486D-9A38-486269C687BA}" dt="2025-05-25T21:30:06.140" v="840"/>
+          <ac:chgData name="Fatima Pillosu" userId="a6295d4dc9e22643" providerId="LiveId" clId="{F48B3271-E527-486D-9A38-486269C687BA}" dt="2025-05-26T06:00:49.059" v="938" actId="207"/>
           <ac:spMkLst>
             <pc:docMk/>
             <pc:sldMk cId="1822901782" sldId="256"/>
@@ -2136,7 +2136,7 @@
           </ac:spMkLst>
         </pc:spChg>
         <pc:spChg chg="add mod">
-          <ac:chgData name="Fatima Pillosu" userId="a6295d4dc9e22643" providerId="LiveId" clId="{F48B3271-E527-486D-9A38-486269C687BA}" dt="2025-05-25T21:34:02.082" v="931" actId="115"/>
+          <ac:chgData name="Fatima Pillosu" userId="a6295d4dc9e22643" providerId="LiveId" clId="{F48B3271-E527-486D-9A38-486269C687BA}" dt="2025-05-26T06:00:49.059" v="938" actId="207"/>
           <ac:spMkLst>
             <pc:docMk/>
             <pc:sldMk cId="1822901782" sldId="256"/>
@@ -2144,7 +2144,7 @@
           </ac:spMkLst>
         </pc:spChg>
         <pc:spChg chg="add mod">
-          <ac:chgData name="Fatima Pillosu" userId="a6295d4dc9e22643" providerId="LiveId" clId="{F48B3271-E527-486D-9A38-486269C687BA}" dt="2025-05-25T21:30:06.140" v="840"/>
+          <ac:chgData name="Fatima Pillosu" userId="a6295d4dc9e22643" providerId="LiveId" clId="{F48B3271-E527-486D-9A38-486269C687BA}" dt="2025-05-26T06:00:49.059" v="938" actId="207"/>
           <ac:spMkLst>
             <pc:docMk/>
             <pc:sldMk cId="1822901782" sldId="256"/>
@@ -2152,7 +2152,7 @@
           </ac:spMkLst>
         </pc:spChg>
         <pc:spChg chg="add mod">
-          <ac:chgData name="Fatima Pillosu" userId="a6295d4dc9e22643" providerId="LiveId" clId="{F48B3271-E527-486D-9A38-486269C687BA}" dt="2025-05-25T21:30:06.140" v="840"/>
+          <ac:chgData name="Fatima Pillosu" userId="a6295d4dc9e22643" providerId="LiveId" clId="{F48B3271-E527-486D-9A38-486269C687BA}" dt="2025-05-26T06:00:49.059" v="938" actId="207"/>
           <ac:spMkLst>
             <pc:docMk/>
             <pc:sldMk cId="1822901782" sldId="256"/>
@@ -2160,7 +2160,7 @@
           </ac:spMkLst>
         </pc:spChg>
         <pc:spChg chg="add mod">
-          <ac:chgData name="Fatima Pillosu" userId="a6295d4dc9e22643" providerId="LiveId" clId="{F48B3271-E527-486D-9A38-486269C687BA}" dt="2025-05-25T21:30:06.140" v="840"/>
+          <ac:chgData name="Fatima Pillosu" userId="a6295d4dc9e22643" providerId="LiveId" clId="{F48B3271-E527-486D-9A38-486269C687BA}" dt="2025-05-26T06:00:49.059" v="938" actId="207"/>
           <ac:spMkLst>
             <pc:docMk/>
             <pc:sldMk cId="1822901782" sldId="256"/>
@@ -2168,7 +2168,7 @@
           </ac:spMkLst>
         </pc:spChg>
         <pc:spChg chg="add mod">
-          <ac:chgData name="Fatima Pillosu" userId="a6295d4dc9e22643" providerId="LiveId" clId="{F48B3271-E527-486D-9A38-486269C687BA}" dt="2025-05-25T21:30:06.140" v="840"/>
+          <ac:chgData name="Fatima Pillosu" userId="a6295d4dc9e22643" providerId="LiveId" clId="{F48B3271-E527-486D-9A38-486269C687BA}" dt="2025-05-26T06:00:49.059" v="938" actId="207"/>
           <ac:spMkLst>
             <pc:docMk/>
             <pc:sldMk cId="1822901782" sldId="256"/>
@@ -2176,7 +2176,7 @@
           </ac:spMkLst>
         </pc:spChg>
         <pc:spChg chg="add mod">
-          <ac:chgData name="Fatima Pillosu" userId="a6295d4dc9e22643" providerId="LiveId" clId="{F48B3271-E527-486D-9A38-486269C687BA}" dt="2025-05-25T21:30:06.140" v="840"/>
+          <ac:chgData name="Fatima Pillosu" userId="a6295d4dc9e22643" providerId="LiveId" clId="{F48B3271-E527-486D-9A38-486269C687BA}" dt="2025-05-26T06:00:49.059" v="938" actId="207"/>
           <ac:spMkLst>
             <pc:docMk/>
             <pc:sldMk cId="1822901782" sldId="256"/>
@@ -2184,7 +2184,7 @@
           </ac:spMkLst>
         </pc:spChg>
         <pc:spChg chg="add mod">
-          <ac:chgData name="Fatima Pillosu" userId="a6295d4dc9e22643" providerId="LiveId" clId="{F48B3271-E527-486D-9A38-486269C687BA}" dt="2025-05-25T21:30:06.140" v="840"/>
+          <ac:chgData name="Fatima Pillosu" userId="a6295d4dc9e22643" providerId="LiveId" clId="{F48B3271-E527-486D-9A38-486269C687BA}" dt="2025-05-26T06:00:49.059" v="938" actId="207"/>
           <ac:spMkLst>
             <pc:docMk/>
             <pc:sldMk cId="1822901782" sldId="256"/>
@@ -2192,7 +2192,7 @@
           </ac:spMkLst>
         </pc:spChg>
         <pc:spChg chg="add mod">
-          <ac:chgData name="Fatima Pillosu" userId="a6295d4dc9e22643" providerId="LiveId" clId="{F48B3271-E527-486D-9A38-486269C687BA}" dt="2025-05-25T21:30:06.140" v="840"/>
+          <ac:chgData name="Fatima Pillosu" userId="a6295d4dc9e22643" providerId="LiveId" clId="{F48B3271-E527-486D-9A38-486269C687BA}" dt="2025-05-26T06:00:49.059" v="938" actId="207"/>
           <ac:spMkLst>
             <pc:docMk/>
             <pc:sldMk cId="1822901782" sldId="256"/>
@@ -2200,7 +2200,7 @@
           </ac:spMkLst>
         </pc:spChg>
         <pc:spChg chg="add mod">
-          <ac:chgData name="Fatima Pillosu" userId="a6295d4dc9e22643" providerId="LiveId" clId="{F48B3271-E527-486D-9A38-486269C687BA}" dt="2025-05-25T21:30:06.140" v="840"/>
+          <ac:chgData name="Fatima Pillosu" userId="a6295d4dc9e22643" providerId="LiveId" clId="{F48B3271-E527-486D-9A38-486269C687BA}" dt="2025-05-26T06:00:49.059" v="938" actId="207"/>
           <ac:spMkLst>
             <pc:docMk/>
             <pc:sldMk cId="1822901782" sldId="256"/>
@@ -3256,7 +3256,7 @@
           <a:p>
             <a:fld id="{A6C8CFAB-1E7E-451D-AC8D-2ADD82320E15}" type="datetimeFigureOut">
               <a:rPr lang="en-GB" smtClean="0"/>
-              <a:t>25/05/2025</a:t>
+              <a:t>26/05/2025</a:t>
             </a:fld>
             <a:endParaRPr lang="en-GB"/>
           </a:p>
@@ -3426,7 +3426,7 @@
           <a:p>
             <a:fld id="{A6C8CFAB-1E7E-451D-AC8D-2ADD82320E15}" type="datetimeFigureOut">
               <a:rPr lang="en-GB" smtClean="0"/>
-              <a:t>25/05/2025</a:t>
+              <a:t>26/05/2025</a:t>
             </a:fld>
             <a:endParaRPr lang="en-GB"/>
           </a:p>
@@ -3606,7 +3606,7 @@
           <a:p>
             <a:fld id="{A6C8CFAB-1E7E-451D-AC8D-2ADD82320E15}" type="datetimeFigureOut">
               <a:rPr lang="en-GB" smtClean="0"/>
-              <a:t>25/05/2025</a:t>
+              <a:t>26/05/2025</a:t>
             </a:fld>
             <a:endParaRPr lang="en-GB"/>
           </a:p>
@@ -3776,7 +3776,7 @@
           <a:p>
             <a:fld id="{A6C8CFAB-1E7E-451D-AC8D-2ADD82320E15}" type="datetimeFigureOut">
               <a:rPr lang="en-GB" smtClean="0"/>
-              <a:t>25/05/2025</a:t>
+              <a:t>26/05/2025</a:t>
             </a:fld>
             <a:endParaRPr lang="en-GB"/>
           </a:p>
@@ -4022,7 +4022,7 @@
           <a:p>
             <a:fld id="{A6C8CFAB-1E7E-451D-AC8D-2ADD82320E15}" type="datetimeFigureOut">
               <a:rPr lang="en-GB" smtClean="0"/>
-              <a:t>25/05/2025</a:t>
+              <a:t>26/05/2025</a:t>
             </a:fld>
             <a:endParaRPr lang="en-GB"/>
           </a:p>
@@ -4254,7 +4254,7 @@
           <a:p>
             <a:fld id="{A6C8CFAB-1E7E-451D-AC8D-2ADD82320E15}" type="datetimeFigureOut">
               <a:rPr lang="en-GB" smtClean="0"/>
-              <a:t>25/05/2025</a:t>
+              <a:t>26/05/2025</a:t>
             </a:fld>
             <a:endParaRPr lang="en-GB"/>
           </a:p>
@@ -4621,7 +4621,7 @@
           <a:p>
             <a:fld id="{A6C8CFAB-1E7E-451D-AC8D-2ADD82320E15}" type="datetimeFigureOut">
               <a:rPr lang="en-GB" smtClean="0"/>
-              <a:t>25/05/2025</a:t>
+              <a:t>26/05/2025</a:t>
             </a:fld>
             <a:endParaRPr lang="en-GB"/>
           </a:p>
@@ -4739,7 +4739,7 @@
           <a:p>
             <a:fld id="{A6C8CFAB-1E7E-451D-AC8D-2ADD82320E15}" type="datetimeFigureOut">
               <a:rPr lang="en-GB" smtClean="0"/>
-              <a:t>25/05/2025</a:t>
+              <a:t>26/05/2025</a:t>
             </a:fld>
             <a:endParaRPr lang="en-GB"/>
           </a:p>
@@ -4834,7 +4834,7 @@
           <a:p>
             <a:fld id="{A6C8CFAB-1E7E-451D-AC8D-2ADD82320E15}" type="datetimeFigureOut">
               <a:rPr lang="en-GB" smtClean="0"/>
-              <a:t>25/05/2025</a:t>
+              <a:t>26/05/2025</a:t>
             </a:fld>
             <a:endParaRPr lang="en-GB"/>
           </a:p>
@@ -5111,7 +5111,7 @@
           <a:p>
             <a:fld id="{A6C8CFAB-1E7E-451D-AC8D-2ADD82320E15}" type="datetimeFigureOut">
               <a:rPr lang="en-GB" smtClean="0"/>
-              <a:t>25/05/2025</a:t>
+              <a:t>26/05/2025</a:t>
             </a:fld>
             <a:endParaRPr lang="en-GB"/>
           </a:p>
@@ -5368,7 +5368,7 @@
           <a:p>
             <a:fld id="{A6C8CFAB-1E7E-451D-AC8D-2ADD82320E15}" type="datetimeFigureOut">
               <a:rPr lang="en-GB" smtClean="0"/>
-              <a:t>25/05/2025</a:t>
+              <a:t>26/05/2025</a:t>
             </a:fld>
             <a:endParaRPr lang="en-GB"/>
           </a:p>
@@ -5581,7 +5581,7 @@
           <a:p>
             <a:fld id="{A6C8CFAB-1E7E-451D-AC8D-2ADD82320E15}" type="datetimeFigureOut">
               <a:rPr lang="en-GB" smtClean="0"/>
-              <a:t>25/05/2025</a:t>
+              <a:t>26/05/2025</a:t>
             </a:fld>
             <a:endParaRPr lang="en-GB"/>
           </a:p>
@@ -7737,8 +7737,8 @@
         </p:nvSpPr>
         <p:spPr>
           <a:xfrm>
-            <a:off x="-83152" y="-65388"/>
-            <a:ext cx="4206875" cy="430887"/>
+            <a:off x="-83151" y="-65388"/>
+            <a:ext cx="3203158" cy="430887"/>
           </a:xfrm>
           <a:prstGeom prst="rect">
             <a:avLst/>
@@ -7850,8 +7850,8 @@
         </p:nvSpPr>
         <p:spPr>
           <a:xfrm>
-            <a:off x="-83152" y="444015"/>
-            <a:ext cx="4206875" cy="215444"/>
+            <a:off x="-83151" y="444014"/>
+            <a:ext cx="3203158" cy="215444"/>
           </a:xfrm>
           <a:prstGeom prst="rect">
             <a:avLst/>
@@ -7898,8 +7898,8 @@
         </p:nvSpPr>
         <p:spPr>
           <a:xfrm>
-            <a:off x="-83152" y="2896007"/>
-            <a:ext cx="4206875" cy="215444"/>
+            <a:off x="-83151" y="2896007"/>
+            <a:ext cx="3215290" cy="215444"/>
           </a:xfrm>
           <a:prstGeom prst="rect">
             <a:avLst/>

--- a/chapter_03/figures/orography.pptx
+++ b/chapter_03/figures/orography.pptx
@@ -125,12 +125,12 @@
   <pc:docChgLst>
     <pc:chgData name="Fatima Pillosu" userId="a6295d4dc9e22643" providerId="LiveId" clId="{F48B3271-E527-486D-9A38-486269C687BA}"/>
     <pc:docChg chg="undo custSel modSld">
-      <pc:chgData name="Fatima Pillosu" userId="a6295d4dc9e22643" providerId="LiveId" clId="{F48B3271-E527-486D-9A38-486269C687BA}" dt="2025-05-26T06:00:49.059" v="938" actId="207"/>
+      <pc:chgData name="Fatima Pillosu" userId="a6295d4dc9e22643" providerId="LiveId" clId="{F48B3271-E527-486D-9A38-486269C687BA}" dt="2025-05-26T07:03:28.864" v="956" actId="115"/>
       <pc:docMkLst>
         <pc:docMk/>
       </pc:docMkLst>
       <pc:sldChg chg="addSp delSp modSp mod">
-        <pc:chgData name="Fatima Pillosu" userId="a6295d4dc9e22643" providerId="LiveId" clId="{F48B3271-E527-486D-9A38-486269C687BA}" dt="2025-05-26T06:00:49.059" v="938" actId="207"/>
+        <pc:chgData name="Fatima Pillosu" userId="a6295d4dc9e22643" providerId="LiveId" clId="{F48B3271-E527-486D-9A38-486269C687BA}" dt="2025-05-26T07:03:28.864" v="956" actId="115"/>
         <pc:sldMkLst>
           <pc:docMk/>
           <pc:sldMk cId="1822901782" sldId="256"/>
@@ -2136,7 +2136,7 @@
           </ac:spMkLst>
         </pc:spChg>
         <pc:spChg chg="add mod">
-          <ac:chgData name="Fatima Pillosu" userId="a6295d4dc9e22643" providerId="LiveId" clId="{F48B3271-E527-486D-9A38-486269C687BA}" dt="2025-05-26T06:00:49.059" v="938" actId="207"/>
+          <ac:chgData name="Fatima Pillosu" userId="a6295d4dc9e22643" providerId="LiveId" clId="{F48B3271-E527-486D-9A38-486269C687BA}" dt="2025-05-26T07:03:28.864" v="956" actId="115"/>
           <ac:spMkLst>
             <pc:docMk/>
             <pc:sldMk cId="1822901782" sldId="256"/>
@@ -7759,7 +7759,7 @@
                 <a:latin typeface="Calibri" panose="020F0502020204030204" pitchFamily="34" charset="0"/>
                 <a:cs typeface="Calibri" panose="020F0502020204030204" pitchFamily="34" charset="0"/>
               </a:rPr>
-              <a:t>ERA5 variables to use in the data-driven model </a:t>
+              <a:t>ERA5 variables used in the data-driven model </a:t>
             </a:r>
           </a:p>
           <a:p>
@@ -7771,7 +7771,7 @@
                 <a:latin typeface="Calibri Light" panose="020F0302020204030204" pitchFamily="34" charset="0"/>
                 <a:cs typeface="Calibri Light" panose="020F0302020204030204" pitchFamily="34" charset="0"/>
               </a:rPr>
-              <a:t>Variables to represent </a:t>
+              <a:t>Variables to represent the </a:t>
             </a:r>
             <a:r>
               <a:rPr lang="en-US" sz="1000" u="sng" dirty="0">
@@ -7783,7 +7783,17 @@
               </a:rPr>
               <a:t>orography</a:t>
             </a:r>
-            <a:endParaRPr lang="en-GB" sz="1000" u="sng" dirty="0">
+            <a:r>
+              <a:rPr lang="en-US" sz="1000" dirty="0">
+                <a:solidFill>
+                  <a:srgbClr val="333333"/>
+                </a:solidFill>
+                <a:latin typeface="Calibri Light" panose="020F0302020204030204" pitchFamily="34" charset="0"/>
+                <a:cs typeface="Calibri Light" panose="020F0302020204030204" pitchFamily="34" charset="0"/>
+              </a:rPr>
+              <a:t> (static)</a:t>
+            </a:r>
+            <a:endParaRPr lang="en-GB" sz="1000" dirty="0">
               <a:solidFill>
                 <a:srgbClr val="333333"/>
               </a:solidFill>
